--- a/IT_introduction_2021/material/last_exercises.pptx
+++ b/IT_introduction_2021/material/last_exercises.pptx
@@ -7,7 +7,6 @@
   <p:sldIdLst>
     <p:sldId id="256" r:id="rId2"/>
     <p:sldId id="257" r:id="rId3"/>
-    <p:sldId id="261" r:id="rId4"/>
   </p:sldIdLst>
   <p:sldSz cx="12192000" cy="6858000"/>
   <p:notesSz cx="6858000" cy="9144000"/>
@@ -261,7 +260,7 @@
           <a:p>
             <a:fld id="{D8B7E551-822F-4896-9EDE-9E8F0CB865CE}" type="datetimeFigureOut">
               <a:rPr lang="it-IT" smtClean="0"/>
-              <a:t>19/10/2021</a:t>
+              <a:t>20/10/2021</a:t>
             </a:fld>
             <a:endParaRPr lang="it-IT"/>
           </a:p>
@@ -459,7 +458,7 @@
           <a:p>
             <a:fld id="{D8B7E551-822F-4896-9EDE-9E8F0CB865CE}" type="datetimeFigureOut">
               <a:rPr lang="it-IT" smtClean="0"/>
-              <a:t>19/10/2021</a:t>
+              <a:t>20/10/2021</a:t>
             </a:fld>
             <a:endParaRPr lang="it-IT"/>
           </a:p>
@@ -667,7 +666,7 @@
           <a:p>
             <a:fld id="{D8B7E551-822F-4896-9EDE-9E8F0CB865CE}" type="datetimeFigureOut">
               <a:rPr lang="it-IT" smtClean="0"/>
-              <a:t>19/10/2021</a:t>
+              <a:t>20/10/2021</a:t>
             </a:fld>
             <a:endParaRPr lang="it-IT"/>
           </a:p>
@@ -865,7 +864,7 @@
           <a:p>
             <a:fld id="{D8B7E551-822F-4896-9EDE-9E8F0CB865CE}" type="datetimeFigureOut">
               <a:rPr lang="it-IT" smtClean="0"/>
-              <a:t>19/10/2021</a:t>
+              <a:t>20/10/2021</a:t>
             </a:fld>
             <a:endParaRPr lang="it-IT"/>
           </a:p>
@@ -1140,7 +1139,7 @@
           <a:p>
             <a:fld id="{D8B7E551-822F-4896-9EDE-9E8F0CB865CE}" type="datetimeFigureOut">
               <a:rPr lang="it-IT" smtClean="0"/>
-              <a:t>19/10/2021</a:t>
+              <a:t>20/10/2021</a:t>
             </a:fld>
             <a:endParaRPr lang="it-IT"/>
           </a:p>
@@ -1405,7 +1404,7 @@
           <a:p>
             <a:fld id="{D8B7E551-822F-4896-9EDE-9E8F0CB865CE}" type="datetimeFigureOut">
               <a:rPr lang="it-IT" smtClean="0"/>
-              <a:t>19/10/2021</a:t>
+              <a:t>20/10/2021</a:t>
             </a:fld>
             <a:endParaRPr lang="it-IT"/>
           </a:p>
@@ -1817,7 +1816,7 @@
           <a:p>
             <a:fld id="{D8B7E551-822F-4896-9EDE-9E8F0CB865CE}" type="datetimeFigureOut">
               <a:rPr lang="it-IT" smtClean="0"/>
-              <a:t>19/10/2021</a:t>
+              <a:t>20/10/2021</a:t>
             </a:fld>
             <a:endParaRPr lang="it-IT"/>
           </a:p>
@@ -1958,7 +1957,7 @@
           <a:p>
             <a:fld id="{D8B7E551-822F-4896-9EDE-9E8F0CB865CE}" type="datetimeFigureOut">
               <a:rPr lang="it-IT" smtClean="0"/>
-              <a:t>19/10/2021</a:t>
+              <a:t>20/10/2021</a:t>
             </a:fld>
             <a:endParaRPr lang="it-IT"/>
           </a:p>
@@ -2071,7 +2070,7 @@
           <a:p>
             <a:fld id="{D8B7E551-822F-4896-9EDE-9E8F0CB865CE}" type="datetimeFigureOut">
               <a:rPr lang="it-IT" smtClean="0"/>
-              <a:t>19/10/2021</a:t>
+              <a:t>20/10/2021</a:t>
             </a:fld>
             <a:endParaRPr lang="it-IT"/>
           </a:p>
@@ -2382,7 +2381,7 @@
           <a:p>
             <a:fld id="{D8B7E551-822F-4896-9EDE-9E8F0CB865CE}" type="datetimeFigureOut">
               <a:rPr lang="it-IT" smtClean="0"/>
-              <a:t>19/10/2021</a:t>
+              <a:t>20/10/2021</a:t>
             </a:fld>
             <a:endParaRPr lang="it-IT"/>
           </a:p>
@@ -2670,7 +2669,7 @@
           <a:p>
             <a:fld id="{D8B7E551-822F-4896-9EDE-9E8F0CB865CE}" type="datetimeFigureOut">
               <a:rPr lang="it-IT" smtClean="0"/>
-              <a:t>19/10/2021</a:t>
+              <a:t>20/10/2021</a:t>
             </a:fld>
             <a:endParaRPr lang="it-IT"/>
           </a:p>
@@ -2911,7 +2910,7 @@
           <a:p>
             <a:fld id="{D8B7E551-822F-4896-9EDE-9E8F0CB865CE}" type="datetimeFigureOut">
               <a:rPr lang="it-IT" smtClean="0"/>
-              <a:t>19/10/2021</a:t>
+              <a:t>20/10/2021</a:t>
             </a:fld>
             <a:endParaRPr lang="it-IT"/>
           </a:p>
@@ -3372,15 +3371,18 @@
                 <a:latin typeface="Amatic SC" panose="00000500000000000000" pitchFamily="2" charset="-79"/>
                 <a:cs typeface="Amatic SC" panose="00000500000000000000" pitchFamily="2" charset="-79"/>
               </a:rPr>
-              <a:t>Last exercises</a:t>
-            </a:r>
-            <a:endParaRPr lang="it-IT" sz="8800" b="1" dirty="0">
-              <a:solidFill>
-                <a:schemeClr val="bg1"/>
-              </a:solidFill>
-              <a:latin typeface="Amatic SC" panose="00000500000000000000" pitchFamily="2" charset="-79"/>
-              <a:cs typeface="Amatic SC" panose="00000500000000000000" pitchFamily="2" charset="-79"/>
-            </a:endParaRPr>
+              <a:t>Last </a:t>
+            </a:r>
+            <a:r>
+              <a:rPr lang="it-IT" sz="8800" b="1" dirty="0">
+                <a:solidFill>
+                  <a:schemeClr val="bg1"/>
+                </a:solidFill>
+                <a:latin typeface="Amatic SC" panose="00000500000000000000" pitchFamily="2" charset="-79"/>
+                <a:cs typeface="Amatic SC" panose="00000500000000000000" pitchFamily="2" charset="-79"/>
+              </a:rPr>
+              <a:t>exercise</a:t>
+            </a:r>
           </a:p>
         </p:txBody>
       </p:sp>
@@ -3571,7 +3573,12 @@
             <p:ph idx="1"/>
           </p:nvPr>
         </p:nvSpPr>
-        <p:spPr/>
+        <p:spPr>
+          <a:xfrm>
+            <a:off x="838200" y="1825625"/>
+            <a:ext cx="10515600" cy="4351338"/>
+          </a:xfrm>
+        </p:spPr>
         <p:txBody>
           <a:bodyPr>
             <a:normAutofit/>
@@ -3579,10 +3586,30 @@
           <a:lstStyle/>
           <a:p>
             <a:r>
+              <a:rPr lang="it-IT" sz="2000" dirty="0"/>
+              <a:t>Sto per andare su un‘isola deserta, devo sopravvivere il più a lungo possibile e posso portare con me solo uno zaino con uno spazio limitato. Devo calcolare cosa mi conviene maggiormente portare nello zaino.</a:t>
+            </a:r>
+          </a:p>
+          <a:p>
+            <a:r>
+              <a:rPr lang="it-IT" sz="2000" dirty="0"/>
+              <a:t>Pa</a:t>
+            </a:r>
+            <a:r>
               <a:rPr lang="en-US" sz="2000" dirty="0"/>
-              <a:t>Coming soon</a:t>
-            </a:r>
-            <a:endParaRPr lang="it-IT" sz="2000" dirty="0"/>
+              <a:t>rtendo dalla traccia data del codice, completare la funzione isolaDeserta affinché </a:t>
+            </a:r>
+            <a:r>
+              <a:rPr lang="it-IT" sz="2000" dirty="0"/>
+              <a:t>ritorni al main l‘utilità massima degli oggetti che posso portare nello zaino.</a:t>
+            </a:r>
+          </a:p>
+          <a:p>
+            <a:r>
+              <a:rPr lang="it-IT" sz="2000" dirty="0"/>
+              <a:t>Nella traccia ci sono delle funzioni ausiliare suggerite che potrebbero non essere necessarie per la risoluzione dell'esercizio.</a:t>
+            </a:r>
+            <a:endParaRPr lang="en-US" sz="2000" dirty="0"/>
           </a:p>
         </p:txBody>
       </p:sp>
@@ -3626,136 +3653,6 @@
     <p:extLst>
       <p:ext uri="{BB962C8B-B14F-4D97-AF65-F5344CB8AC3E}">
         <p14:creationId xmlns:p14="http://schemas.microsoft.com/office/powerpoint/2010/main" val="472608764"/>
-      </p:ext>
-    </p:extLst>
-  </p:cSld>
-  <p:clrMapOvr>
-    <a:masterClrMapping/>
-  </p:clrMapOvr>
-</p:sld>
-</file>
-
-<file path=ppt/slides/slide3.xml><?xml version="1.0" encoding="utf-8"?>
-<p:sld xmlns:a="http://schemas.openxmlformats.org/drawingml/2006/main" xmlns:r="http://schemas.openxmlformats.org/officeDocument/2006/relationships" xmlns:p="http://schemas.openxmlformats.org/presentationml/2006/main">
-  <p:cSld>
-    <p:spTree>
-      <p:nvGrpSpPr>
-        <p:cNvPr id="1" name=""/>
-        <p:cNvGrpSpPr/>
-        <p:nvPr/>
-      </p:nvGrpSpPr>
-      <p:grpSpPr>
-        <a:xfrm>
-          <a:off x="0" y="0"/>
-          <a:ext cx="0" cy="0"/>
-          <a:chOff x="0" y="0"/>
-          <a:chExt cx="0" cy="0"/>
-        </a:xfrm>
-      </p:grpSpPr>
-      <p:sp>
-        <p:nvSpPr>
-          <p:cNvPr id="2" name="Titolo 1">
-            <a:extLst>
-              <a:ext uri="{FF2B5EF4-FFF2-40B4-BE49-F238E27FC236}">
-                <a16:creationId xmlns:a16="http://schemas.microsoft.com/office/drawing/2014/main" id="{3BE646A1-4E49-4AA8-BAB5-4BB214B9FD31}"/>
-              </a:ext>
-            </a:extLst>
-          </p:cNvPr>
-          <p:cNvSpPr>
-            <a:spLocks noGrp="1"/>
-          </p:cNvSpPr>
-          <p:nvPr>
-            <p:ph type="title"/>
-          </p:nvPr>
-        </p:nvSpPr>
-        <p:spPr/>
-        <p:txBody>
-          <a:bodyPr/>
-          <a:lstStyle/>
-          <a:p>
-            <a:pPr algn="ctr"/>
-            <a:r>
-              <a:rPr lang="en-US" sz="4400" b="1" dirty="0" err="1">
-                <a:latin typeface="Amatic SC" panose="00000500000000000000" pitchFamily="2" charset="-79"/>
-                <a:cs typeface="Amatic SC" panose="00000500000000000000" pitchFamily="2" charset="-79"/>
-              </a:rPr>
-              <a:t>Verniciature</a:t>
-            </a:r>
-            <a:endParaRPr lang="it-IT" dirty="0"/>
-          </a:p>
-        </p:txBody>
-      </p:sp>
-      <p:sp>
-        <p:nvSpPr>
-          <p:cNvPr id="3" name="Segnaposto contenuto 2">
-            <a:extLst>
-              <a:ext uri="{FF2B5EF4-FFF2-40B4-BE49-F238E27FC236}">
-                <a16:creationId xmlns:a16="http://schemas.microsoft.com/office/drawing/2014/main" id="{7175764A-1CCB-428E-B2F3-8CB65D44F6A6}"/>
-              </a:ext>
-            </a:extLst>
-          </p:cNvPr>
-          <p:cNvSpPr>
-            <a:spLocks noGrp="1"/>
-          </p:cNvSpPr>
-          <p:nvPr>
-            <p:ph idx="1"/>
-          </p:nvPr>
-        </p:nvSpPr>
-        <p:spPr/>
-        <p:txBody>
-          <a:bodyPr>
-            <a:normAutofit/>
-          </a:bodyPr>
-          <a:lstStyle/>
-          <a:p>
-            <a:r>
-              <a:rPr lang="en-US" sz="1800" dirty="0"/>
-              <a:t>Coming soon</a:t>
-            </a:r>
-            <a:endParaRPr lang="it-IT" sz="1800" dirty="0"/>
-          </a:p>
-        </p:txBody>
-      </p:sp>
-      <p:pic>
-        <p:nvPicPr>
-          <p:cNvPr id="4" name="Immagine 3">
-            <a:extLst>
-              <a:ext uri="{FF2B5EF4-FFF2-40B4-BE49-F238E27FC236}">
-                <a16:creationId xmlns:a16="http://schemas.microsoft.com/office/drawing/2014/main" id="{038C1CEF-EA3A-48D8-8F54-D269F6D56EA1}"/>
-              </a:ext>
-            </a:extLst>
-          </p:cNvPr>
-          <p:cNvPicPr>
-            <a:picLocks noChangeAspect="1"/>
-          </p:cNvPicPr>
-          <p:nvPr/>
-        </p:nvPicPr>
-        <p:blipFill>
-          <a:blip r:embed="rId2">
-            <a:extLst>
-              <a:ext uri="{28A0092B-C50C-407E-A947-70E740481C1C}">
-                <a14:useLocalDpi xmlns:a14="http://schemas.microsoft.com/office/drawing/2010/main" val="0"/>
-              </a:ext>
-            </a:extLst>
-          </a:blip>
-          <a:stretch>
-            <a:fillRect/>
-          </a:stretch>
-        </p:blipFill>
-        <p:spPr>
-          <a:xfrm>
-            <a:off x="9441877" y="6129856"/>
-            <a:ext cx="2414146" cy="397754"/>
-          </a:xfrm>
-          <a:prstGeom prst="rect">
-            <a:avLst/>
-          </a:prstGeom>
-        </p:spPr>
-      </p:pic>
-    </p:spTree>
-    <p:extLst>
-      <p:ext uri="{BB962C8B-B14F-4D97-AF65-F5344CB8AC3E}">
-        <p14:creationId xmlns:p14="http://schemas.microsoft.com/office/powerpoint/2010/main" val="3667037610"/>
       </p:ext>
     </p:extLst>
   </p:cSld>
